--- a/Beginner/Day 4/Model Rockets vs NASA Rockets.pptx
+++ b/Beginner/Day 4/Model Rockets vs NASA Rockets.pptx
@@ -5,42 +5,43 @@
     <p:sldMasterId id="2147483685" r:id="rId1"/>
   </p:sldMasterIdLst>
   <p:notesMasterIdLst>
-    <p:notesMasterId r:id="rId12"/>
+    <p:notesMasterId r:id="rId13"/>
   </p:notesMasterIdLst>
   <p:sldIdLst>
     <p:sldId id="256" r:id="rId2"/>
     <p:sldId id="295" r:id="rId3"/>
-    <p:sldId id="257" r:id="rId4"/>
-    <p:sldId id="262" r:id="rId5"/>
+    <p:sldId id="262" r:id="rId4"/>
+    <p:sldId id="300" r:id="rId5"/>
     <p:sldId id="263" r:id="rId6"/>
     <p:sldId id="299" r:id="rId7"/>
     <p:sldId id="285" r:id="rId8"/>
-    <p:sldId id="296" r:id="rId9"/>
-    <p:sldId id="297" r:id="rId10"/>
-    <p:sldId id="298" r:id="rId11"/>
+    <p:sldId id="257" r:id="rId9"/>
+    <p:sldId id="296" r:id="rId10"/>
+    <p:sldId id="297" r:id="rId11"/>
+    <p:sldId id="298" r:id="rId12"/>
   </p:sldIdLst>
   <p:sldSz cx="9144000" cy="5143500" type="screen16x9"/>
   <p:notesSz cx="6858000" cy="9144000"/>
   <p:embeddedFontLst>
     <p:embeddedFont>
       <p:font typeface="Anek Devanagari ExtraBold" panose="020B0604020202020204" charset="0"/>
-      <p:bold r:id="rId13"/>
+      <p:bold r:id="rId14"/>
     </p:embeddedFont>
     <p:embeddedFont>
       <p:font typeface="Chivo" panose="020B0604020202020204" charset="0"/>
-      <p:regular r:id="rId14"/>
-      <p:bold r:id="rId15"/>
-      <p:italic r:id="rId16"/>
-      <p:boldItalic r:id="rId17"/>
+      <p:regular r:id="rId15"/>
+      <p:bold r:id="rId16"/>
+      <p:italic r:id="rId17"/>
+      <p:boldItalic r:id="rId18"/>
     </p:embeddedFont>
     <p:embeddedFont>
       <p:font typeface="Fredoka One" panose="02000000000000000000" pitchFamily="2" charset="0"/>
-      <p:regular r:id="rId18"/>
+      <p:regular r:id="rId19"/>
     </p:embeddedFont>
     <p:embeddedFont>
       <p:font typeface="Roboto Condensed Light" panose="02000000000000000000" pitchFamily="2" charset="0"/>
-      <p:regular r:id="rId19"/>
-      <p:italic r:id="rId20"/>
+      <p:regular r:id="rId20"/>
+      <p:italic r:id="rId21"/>
     </p:embeddedFont>
   </p:embeddedFontLst>
   <p:defaultTextStyle>
@@ -910,110 +911,6 @@
   <p:cSld>
     <p:spTree>
       <p:nvGrpSpPr>
-        <p:cNvPr id="1" name="Shape 1103"/>
-        <p:cNvGrpSpPr/>
-        <p:nvPr/>
-      </p:nvGrpSpPr>
-      <p:grpSpPr>
-        <a:xfrm>
-          <a:off x="0" y="0"/>
-          <a:ext cx="0" cy="0"/>
-          <a:chOff x="0" y="0"/>
-          <a:chExt cx="0" cy="0"/>
-        </a:xfrm>
-      </p:grpSpPr>
-      <p:sp>
-        <p:nvSpPr>
-          <p:cNvPr id="1104" name="Google Shape;1104;g85cf8b5f36_0_6059:notes"/>
-          <p:cNvSpPr>
-            <a:spLocks noGrp="1" noRot="1" noChangeAspect="1"/>
-          </p:cNvSpPr>
-          <p:nvPr>
-            <p:ph type="sldImg" idx="2"/>
-          </p:nvPr>
-        </p:nvSpPr>
-        <p:spPr>
-          <a:xfrm>
-            <a:off x="381000" y="685800"/>
-            <a:ext cx="6096000" cy="3429000"/>
-          </a:xfrm>
-          <a:custGeom>
-            <a:avLst/>
-            <a:gdLst/>
-            <a:ahLst/>
-            <a:cxnLst/>
-            <a:rect l="l" t="t" r="r" b="b"/>
-            <a:pathLst>
-              <a:path w="120000" h="120000" extrusionOk="0">
-                <a:moveTo>
-                  <a:pt x="0" y="0"/>
-                </a:moveTo>
-                <a:lnTo>
-                  <a:pt x="120000" y="0"/>
-                </a:lnTo>
-                <a:lnTo>
-                  <a:pt x="120000" y="120000"/>
-                </a:lnTo>
-                <a:lnTo>
-                  <a:pt x="0" y="120000"/>
-                </a:lnTo>
-                <a:close/>
-              </a:path>
-            </a:pathLst>
-          </a:custGeom>
-        </p:spPr>
-      </p:sp>
-      <p:sp>
-        <p:nvSpPr>
-          <p:cNvPr id="1105" name="Google Shape;1105;g85cf8b5f36_0_6059:notes"/>
-          <p:cNvSpPr txBox="1">
-            <a:spLocks noGrp="1"/>
-          </p:cNvSpPr>
-          <p:nvPr>
-            <p:ph type="body" idx="1"/>
-          </p:nvPr>
-        </p:nvSpPr>
-        <p:spPr>
-          <a:xfrm>
-            <a:off x="685800" y="4343400"/>
-            <a:ext cx="5486400" cy="4114800"/>
-          </a:xfrm>
-          <a:prstGeom prst="rect">
-            <a:avLst/>
-          </a:prstGeom>
-        </p:spPr>
-        <p:txBody>
-          <a:bodyPr spcFirstLastPara="1" wrap="square" lIns="91425" tIns="91425" rIns="91425" bIns="91425" anchor="t" anchorCtr="0">
-            <a:noAutofit/>
-          </a:bodyPr>
-          <a:lstStyle/>
-          <a:p>
-            <a:pPr marL="0" lvl="0" indent="0" algn="l" rtl="0">
-              <a:spcBef>
-                <a:spcPts val="0"/>
-              </a:spcBef>
-              <a:spcAft>
-                <a:spcPts val="0"/>
-              </a:spcAft>
-              <a:buNone/>
-            </a:pPr>
-            <a:endParaRPr/>
-          </a:p>
-        </p:txBody>
-      </p:sp>
-    </p:spTree>
-  </p:cSld>
-  <p:clrMapOvr>
-    <a:masterClrMapping/>
-  </p:clrMapOvr>
-</p:notes>
-</file>
-
-<file path=ppt/notesSlides/notesSlide4.xml><?xml version="1.0" encoding="utf-8"?>
-<p:notes xmlns:a="http://schemas.openxmlformats.org/drawingml/2006/main" xmlns:r="http://schemas.openxmlformats.org/officeDocument/2006/relationships" xmlns:p="http://schemas.openxmlformats.org/presentationml/2006/main" showMasterSp="0" showMasterPhAnim="0">
-  <p:cSld>
-    <p:spTree>
-      <p:nvGrpSpPr>
         <p:cNvPr id="1" name="Shape 1212"/>
         <p:cNvGrpSpPr/>
         <p:nvPr/>
@@ -1113,7 +1010,7 @@
 </p:notes>
 </file>
 
-<file path=ppt/notesSlides/notesSlide5.xml><?xml version="1.0" encoding="utf-8"?>
+<file path=ppt/notesSlides/notesSlide4.xml><?xml version="1.0" encoding="utf-8"?>
 <p:notes xmlns:a="http://schemas.openxmlformats.org/drawingml/2006/main" xmlns:r="http://schemas.openxmlformats.org/officeDocument/2006/relationships" xmlns:p="http://schemas.openxmlformats.org/presentationml/2006/main" showMasterSp="0" showMasterPhAnim="0">
   <p:cSld>
     <p:spTree>
@@ -1205,11 +1102,98 @@
               </a:spcAft>
               <a:buNone/>
             </a:pPr>
-            <a:endParaRPr/>
+            <a:r>
+              <a:rPr lang="en-US" dirty="0"/>
+              <a:t>Talk about how 3</a:t>
+            </a:r>
+            <a:r>
+              <a:rPr lang="en-US" baseline="30000" dirty="0"/>
+              <a:t>rd</a:t>
+            </a:r>
+            <a:r>
+              <a:rPr lang="en-US" dirty="0"/>
+              <a:t> law of motion is used here</a:t>
+            </a:r>
+            <a:endParaRPr dirty="0"/>
           </a:p>
         </p:txBody>
       </p:sp>
     </p:spTree>
+  </p:cSld>
+  <p:clrMapOvr>
+    <a:masterClrMapping/>
+  </p:clrMapOvr>
+</p:notes>
+</file>
+
+<file path=ppt/notesSlides/notesSlide5.xml><?xml version="1.0" encoding="utf-8"?>
+<p:notes xmlns:a="http://schemas.openxmlformats.org/drawingml/2006/main" xmlns:r="http://schemas.openxmlformats.org/officeDocument/2006/relationships" xmlns:p="http://schemas.openxmlformats.org/presentationml/2006/main">
+  <p:cSld>
+    <p:spTree>
+      <p:nvGrpSpPr>
+        <p:cNvPr id="1" name=""/>
+        <p:cNvGrpSpPr/>
+        <p:nvPr/>
+      </p:nvGrpSpPr>
+      <p:grpSpPr>
+        <a:xfrm>
+          <a:off x="0" y="0"/>
+          <a:ext cx="0" cy="0"/>
+          <a:chOff x="0" y="0"/>
+          <a:chExt cx="0" cy="0"/>
+        </a:xfrm>
+      </p:grpSpPr>
+      <p:sp>
+        <p:nvSpPr>
+          <p:cNvPr id="2" name="Slide Image Placeholder 1"/>
+          <p:cNvSpPr>
+            <a:spLocks noGrp="1" noRot="1" noChangeAspect="1"/>
+          </p:cNvSpPr>
+          <p:nvPr>
+            <p:ph type="sldImg"/>
+          </p:nvPr>
+        </p:nvSpPr>
+        <p:spPr>
+          <a:xfrm>
+            <a:off x="381000" y="685800"/>
+            <a:ext cx="6096000" cy="3429000"/>
+          </a:xfrm>
+        </p:spPr>
+      </p:sp>
+      <p:sp>
+        <p:nvSpPr>
+          <p:cNvPr id="3" name="Notes Placeholder 2"/>
+          <p:cNvSpPr>
+            <a:spLocks noGrp="1"/>
+          </p:cNvSpPr>
+          <p:nvPr>
+            <p:ph type="body" idx="1"/>
+          </p:nvPr>
+        </p:nvSpPr>
+        <p:spPr/>
+        <p:txBody>
+          <a:bodyPr/>
+          <a:lstStyle/>
+          <a:p>
+            <a:r>
+              <a:rPr lang="en-US" dirty="0"/>
+              <a:t>Review passive stability – CG vs CP, and why that’s not enough for NASA rockets</a:t>
+            </a:r>
+          </a:p>
+          <a:p>
+            <a:r>
+              <a:rPr lang="en-US" dirty="0"/>
+              <a:t>Talk about active Control</a:t>
+            </a:r>
+          </a:p>
+        </p:txBody>
+      </p:sp>
+    </p:spTree>
+    <p:extLst>
+      <p:ext uri="{BB962C8B-B14F-4D97-AF65-F5344CB8AC3E}">
+        <p14:creationId xmlns:p14="http://schemas.microsoft.com/office/powerpoint/2010/main" val="3180174122"/>
+      </p:ext>
+    </p:extLst>
   </p:cSld>
   <p:clrMapOvr>
     <a:masterClrMapping/>
@@ -1322,11 +1306,11 @@
 </file>
 
 <file path=ppt/notesSlides/notesSlide7.xml><?xml version="1.0" encoding="utf-8"?>
-<p:notes xmlns:a="http://schemas.openxmlformats.org/drawingml/2006/main" xmlns:r="http://schemas.openxmlformats.org/officeDocument/2006/relationships" xmlns:p="http://schemas.openxmlformats.org/presentationml/2006/main">
+<p:notes xmlns:a="http://schemas.openxmlformats.org/drawingml/2006/main" xmlns:r="http://schemas.openxmlformats.org/officeDocument/2006/relationships" xmlns:p="http://schemas.openxmlformats.org/presentationml/2006/main" showMasterSp="0" showMasterPhAnim="0">
   <p:cSld>
     <p:spTree>
       <p:nvGrpSpPr>
-        <p:cNvPr id="1" name=""/>
+        <p:cNvPr id="1" name="Shape 1103"/>
         <p:cNvGrpSpPr/>
         <p:nvPr/>
       </p:nvGrpSpPr>
@@ -1340,12 +1324,12 @@
       </p:grpSpPr>
       <p:sp>
         <p:nvSpPr>
-          <p:cNvPr id="2" name="Slide Image Placeholder 1"/>
+          <p:cNvPr id="1104" name="Google Shape;1104;g85cf8b5f36_0_6059:notes"/>
           <p:cNvSpPr>
             <a:spLocks noGrp="1" noRot="1" noChangeAspect="1"/>
           </p:cNvSpPr>
           <p:nvPr>
-            <p:ph type="sldImg"/>
+            <p:ph type="sldImg" idx="2"/>
           </p:nvPr>
         </p:nvSpPr>
         <p:spPr>
@@ -1353,39 +1337,104 @@
             <a:off x="381000" y="685800"/>
             <a:ext cx="6096000" cy="3429000"/>
           </a:xfrm>
+          <a:custGeom>
+            <a:avLst/>
+            <a:gdLst/>
+            <a:ahLst/>
+            <a:cxnLst/>
+            <a:rect l="l" t="t" r="r" b="b"/>
+            <a:pathLst>
+              <a:path w="120000" h="120000" extrusionOk="0">
+                <a:moveTo>
+                  <a:pt x="0" y="0"/>
+                </a:moveTo>
+                <a:lnTo>
+                  <a:pt x="120000" y="0"/>
+                </a:lnTo>
+                <a:lnTo>
+                  <a:pt x="120000" y="120000"/>
+                </a:lnTo>
+                <a:lnTo>
+                  <a:pt x="0" y="120000"/>
+                </a:lnTo>
+                <a:close/>
+              </a:path>
+            </a:pathLst>
+          </a:custGeom>
         </p:spPr>
       </p:sp>
       <p:sp>
         <p:nvSpPr>
-          <p:cNvPr id="3" name="Notes Placeholder 2"/>
-          <p:cNvSpPr>
+          <p:cNvPr id="1105" name="Google Shape;1105;g85cf8b5f36_0_6059:notes"/>
+          <p:cNvSpPr txBox="1">
             <a:spLocks noGrp="1"/>
           </p:cNvSpPr>
           <p:nvPr>
             <p:ph type="body" idx="1"/>
           </p:nvPr>
         </p:nvSpPr>
-        <p:spPr/>
+        <p:spPr>
+          <a:xfrm>
+            <a:off x="685800" y="4343400"/>
+            <a:ext cx="5486400" cy="4114800"/>
+          </a:xfrm>
+          <a:prstGeom prst="rect">
+            <a:avLst/>
+          </a:prstGeom>
+        </p:spPr>
         <p:txBody>
-          <a:bodyPr/>
+          <a:bodyPr spcFirstLastPara="1" wrap="square" lIns="91425" tIns="91425" rIns="91425" bIns="91425" anchor="t" anchorCtr="0">
+            <a:noAutofit/>
+          </a:bodyPr>
           <a:lstStyle/>
           <a:p>
-            <a:pPr marL="158750" indent="0">
+            <a:pPr marL="0" lvl="0" indent="0" algn="l" rtl="0">
+              <a:spcBef>
+                <a:spcPts val="0"/>
+              </a:spcBef>
+              <a:spcAft>
+                <a:spcPts val="0"/>
+              </a:spcAft>
               <a:buNone/>
             </a:pPr>
             <a:r>
               <a:rPr lang="en-US" dirty="0"/>
-              <a:t>Beginning, 0:28, 3:05, 5:20, 5:42, 8:25 (personal favorite)</a:t>
+              <a:t>Talk about why aerodynamics is less of a concern for NASA rockets compared to model rockets – NASA rockets have much more thrust, so can sacrifice some aerodynamics for other things. They also are in the atmosphere for a short amount of time compared to their entire flight time</a:t>
+            </a:r>
+          </a:p>
+          <a:p>
+            <a:pPr marL="0" lvl="0" indent="0" algn="l" rtl="0">
+              <a:spcBef>
+                <a:spcPts val="0"/>
+              </a:spcBef>
+              <a:spcAft>
+                <a:spcPts val="0"/>
+              </a:spcAft>
+              <a:buNone/>
+            </a:pPr>
+            <a:r>
+              <a:rPr lang="en-US" dirty="0"/>
+              <a:t>However, the same aerodynamic principles still apply – use this picture as an example</a:t>
+            </a:r>
+          </a:p>
+          <a:p>
+            <a:pPr marL="0" lvl="0" indent="0" algn="l" rtl="0">
+              <a:spcBef>
+                <a:spcPts val="0"/>
+              </a:spcBef>
+              <a:spcAft>
+                <a:spcPts val="0"/>
+              </a:spcAft>
+              <a:buNone/>
+            </a:pPr>
+            <a:r>
+              <a:rPr lang="en-US" dirty="0"/>
+              <a:t>However, both </a:t>
             </a:r>
           </a:p>
         </p:txBody>
       </p:sp>
     </p:spTree>
-    <p:extLst>
-      <p:ext uri="{BB962C8B-B14F-4D97-AF65-F5344CB8AC3E}">
-        <p14:creationId xmlns:p14="http://schemas.microsoft.com/office/powerpoint/2010/main" val="1478025452"/>
-      </p:ext>
-    </p:extLst>
   </p:cSld>
   <p:clrMapOvr>
     <a:masterClrMapping/>
@@ -1447,7 +1496,79 @@
             </a:pPr>
             <a:r>
               <a:rPr lang="en-US" dirty="0"/>
-              <a:t>NASA had a lot of failed launches in the beginning too</a:t>
+              <a:t>Beginning, 0:28, 3:05, 5:20, 5:42, 8:25</a:t>
+            </a:r>
+          </a:p>
+        </p:txBody>
+      </p:sp>
+    </p:spTree>
+    <p:extLst>
+      <p:ext uri="{BB962C8B-B14F-4D97-AF65-F5344CB8AC3E}">
+        <p14:creationId xmlns:p14="http://schemas.microsoft.com/office/powerpoint/2010/main" val="1478025452"/>
+      </p:ext>
+    </p:extLst>
+  </p:cSld>
+  <p:clrMapOvr>
+    <a:masterClrMapping/>
+  </p:clrMapOvr>
+</p:notes>
+</file>
+
+<file path=ppt/notesSlides/notesSlide9.xml><?xml version="1.0" encoding="utf-8"?>
+<p:notes xmlns:a="http://schemas.openxmlformats.org/drawingml/2006/main" xmlns:r="http://schemas.openxmlformats.org/officeDocument/2006/relationships" xmlns:p="http://schemas.openxmlformats.org/presentationml/2006/main">
+  <p:cSld>
+    <p:spTree>
+      <p:nvGrpSpPr>
+        <p:cNvPr id="1" name=""/>
+        <p:cNvGrpSpPr/>
+        <p:nvPr/>
+      </p:nvGrpSpPr>
+      <p:grpSpPr>
+        <a:xfrm>
+          <a:off x="0" y="0"/>
+          <a:ext cx="0" cy="0"/>
+          <a:chOff x="0" y="0"/>
+          <a:chExt cx="0" cy="0"/>
+        </a:xfrm>
+      </p:grpSpPr>
+      <p:sp>
+        <p:nvSpPr>
+          <p:cNvPr id="2" name="Slide Image Placeholder 1"/>
+          <p:cNvSpPr>
+            <a:spLocks noGrp="1" noRot="1" noChangeAspect="1"/>
+          </p:cNvSpPr>
+          <p:nvPr>
+            <p:ph type="sldImg"/>
+          </p:nvPr>
+        </p:nvSpPr>
+        <p:spPr>
+          <a:xfrm>
+            <a:off x="381000" y="685800"/>
+            <a:ext cx="6096000" cy="3429000"/>
+          </a:xfrm>
+        </p:spPr>
+      </p:sp>
+      <p:sp>
+        <p:nvSpPr>
+          <p:cNvPr id="3" name="Notes Placeholder 2"/>
+          <p:cNvSpPr>
+            <a:spLocks noGrp="1"/>
+          </p:cNvSpPr>
+          <p:nvPr>
+            <p:ph type="body" idx="1"/>
+          </p:nvPr>
+        </p:nvSpPr>
+        <p:spPr/>
+        <p:txBody>
+          <a:bodyPr/>
+          <a:lstStyle/>
+          <a:p>
+            <a:pPr marL="158750" indent="0">
+              <a:buNone/>
+            </a:pPr>
+            <a:r>
+              <a:rPr lang="en-US" dirty="0"/>
+              <a:t>Should emphasize that NASA had a lot of failed launches in the beginning too, and that Space X is on the shoulder of giants</a:t>
             </a:r>
           </a:p>
         </p:txBody>
@@ -20591,6 +20712,237 @@
           <p:cNvPr id="2" name="Title 1">
             <a:extLst>
               <a:ext uri="{FF2B5EF4-FFF2-40B4-BE49-F238E27FC236}">
+                <a16:creationId xmlns:a16="http://schemas.microsoft.com/office/drawing/2014/main" id="{3CEA87EA-1BA1-60A0-50B0-09F3BFD5B05C}"/>
+              </a:ext>
+            </a:extLst>
+          </p:cNvPr>
+          <p:cNvSpPr>
+            <a:spLocks noGrp="1"/>
+          </p:cNvSpPr>
+          <p:nvPr>
+            <p:ph type="title"/>
+          </p:nvPr>
+        </p:nvSpPr>
+        <p:spPr>
+          <a:xfrm>
+            <a:off x="754637" y="200564"/>
+            <a:ext cx="7704000" cy="592200"/>
+          </a:xfrm>
+        </p:spPr>
+        <p:txBody>
+          <a:bodyPr/>
+          <a:lstStyle/>
+          <a:p>
+            <a:r>
+              <a:rPr lang="en-US" dirty="0"/>
+              <a:t>Space-X Fails</a:t>
+            </a:r>
+          </a:p>
+        </p:txBody>
+      </p:sp>
+      <p:pic>
+        <p:nvPicPr>
+          <p:cNvPr id="3" name="Online Media 2" title="How Not to Land an Orbital Rocket Booster">
+            <a:hlinkClick r:id="" action="ppaction://media"/>
+            <a:extLst>
+              <a:ext uri="{FF2B5EF4-FFF2-40B4-BE49-F238E27FC236}">
+                <a16:creationId xmlns:a16="http://schemas.microsoft.com/office/drawing/2014/main" id="{870315CB-57F8-9D89-F6BE-4F6239BC293C}"/>
+              </a:ext>
+            </a:extLst>
+          </p:cNvPr>
+          <p:cNvPicPr>
+            <a:picLocks noRot="1" noChangeAspect="1"/>
+          </p:cNvPicPr>
+          <p:nvPr>
+            <a:videoFile r:link="rId1"/>
+          </p:nvPr>
+        </p:nvPicPr>
+        <p:blipFill>
+          <a:blip r:embed="rId3"/>
+          <a:stretch>
+            <a:fillRect/>
+          </a:stretch>
+        </p:blipFill>
+        <p:spPr>
+          <a:xfrm>
+            <a:off x="1071418" y="975716"/>
+            <a:ext cx="6690591" cy="3780184"/>
+          </a:xfrm>
+          <a:prstGeom prst="rect">
+            <a:avLst/>
+          </a:prstGeom>
+        </p:spPr>
+      </p:pic>
+    </p:spTree>
+    <p:extLst>
+      <p:ext uri="{BB962C8B-B14F-4D97-AF65-F5344CB8AC3E}">
+        <p14:creationId xmlns:p14="http://schemas.microsoft.com/office/powerpoint/2010/main" val="4014799153"/>
+      </p:ext>
+    </p:extLst>
+  </p:cSld>
+  <p:clrMapOvr>
+    <a:masterClrMapping/>
+  </p:clrMapOvr>
+  <p:timing>
+    <p:tnLst>
+      <p:par>
+        <p:cTn id="1" dur="indefinite" restart="never" nodeType="tmRoot">
+          <p:childTnLst>
+            <p:seq concurrent="1" nextAc="seek">
+              <p:cTn id="2" dur="indefinite" nodeType="mainSeq">
+                <p:childTnLst>
+                  <p:par>
+                    <p:cTn id="3" fill="hold">
+                      <p:stCondLst>
+                        <p:cond delay="indefinite"/>
+                      </p:stCondLst>
+                      <p:childTnLst>
+                        <p:par>
+                          <p:cTn id="4" fill="hold">
+                            <p:stCondLst>
+                              <p:cond delay="0"/>
+                            </p:stCondLst>
+                            <p:childTnLst>
+                              <p:par>
+                                <p:cTn id="5" presetID="1" presetClass="mediacall" presetSubtype="0" fill="hold" nodeType="clickEffect">
+                                  <p:stCondLst>
+                                    <p:cond delay="0"/>
+                                  </p:stCondLst>
+                                  <p:childTnLst>
+                                    <p:cmd type="call" cmd="playFrom(0.0)">
+                                      <p:cBhvr>
+                                        <p:cTn id="6" dur="1" fill="hold"/>
+                                        <p:tgtEl>
+                                          <p:spTgt spid="3"/>
+                                        </p:tgtEl>
+                                      </p:cBhvr>
+                                    </p:cmd>
+                                  </p:childTnLst>
+                                </p:cTn>
+                              </p:par>
+                            </p:childTnLst>
+                          </p:cTn>
+                        </p:par>
+                      </p:childTnLst>
+                    </p:cTn>
+                  </p:par>
+                </p:childTnLst>
+              </p:cTn>
+              <p:prevCondLst>
+                <p:cond evt="onPrev" delay="0">
+                  <p:tgtEl>
+                    <p:sldTgt/>
+                  </p:tgtEl>
+                </p:cond>
+              </p:prevCondLst>
+              <p:nextCondLst>
+                <p:cond evt="onNext" delay="0">
+                  <p:tgtEl>
+                    <p:sldTgt/>
+                  </p:tgtEl>
+                </p:cond>
+              </p:nextCondLst>
+            </p:seq>
+            <p:video>
+              <p:cMediaNode vol="80000">
+                <p:cTn id="7" fill="hold" display="0">
+                  <p:stCondLst>
+                    <p:cond delay="indefinite"/>
+                  </p:stCondLst>
+                </p:cTn>
+                <p:tgtEl>
+                  <p:spTgt spid="3"/>
+                </p:tgtEl>
+              </p:cMediaNode>
+            </p:video>
+            <p:seq concurrent="1" nextAc="seek">
+              <p:cTn id="8" restart="whenNotActive" fill="hold" evtFilter="cancelBubble" nodeType="interactiveSeq">
+                <p:stCondLst>
+                  <p:cond evt="onClick" delay="0">
+                    <p:tgtEl>
+                      <p:spTgt spid="3"/>
+                    </p:tgtEl>
+                  </p:cond>
+                </p:stCondLst>
+                <p:endSync evt="end" delay="0">
+                  <p:rtn val="all"/>
+                </p:endSync>
+                <p:childTnLst>
+                  <p:par>
+                    <p:cTn id="9" fill="hold">
+                      <p:stCondLst>
+                        <p:cond delay="0"/>
+                      </p:stCondLst>
+                      <p:childTnLst>
+                        <p:par>
+                          <p:cTn id="10" fill="hold">
+                            <p:stCondLst>
+                              <p:cond delay="0"/>
+                            </p:stCondLst>
+                            <p:childTnLst>
+                              <p:par>
+                                <p:cTn id="11" presetID="2" presetClass="mediacall" presetSubtype="0" fill="hold" nodeType="clickEffect">
+                                  <p:stCondLst>
+                                    <p:cond delay="0"/>
+                                  </p:stCondLst>
+                                  <p:childTnLst>
+                                    <p:cmd type="call" cmd="togglePause">
+                                      <p:cBhvr>
+                                        <p:cTn id="12" dur="1" fill="hold"/>
+                                        <p:tgtEl>
+                                          <p:spTgt spid="3"/>
+                                        </p:tgtEl>
+                                      </p:cBhvr>
+                                    </p:cmd>
+                                  </p:childTnLst>
+                                </p:cTn>
+                              </p:par>
+                            </p:childTnLst>
+                          </p:cTn>
+                        </p:par>
+                      </p:childTnLst>
+                    </p:cTn>
+                  </p:par>
+                </p:childTnLst>
+              </p:cTn>
+              <p:nextCondLst>
+                <p:cond evt="onClick" delay="0">
+                  <p:tgtEl>
+                    <p:spTgt spid="3"/>
+                  </p:tgtEl>
+                </p:cond>
+              </p:nextCondLst>
+            </p:seq>
+          </p:childTnLst>
+        </p:cTn>
+      </p:par>
+    </p:tnLst>
+  </p:timing>
+</p:sld>
+</file>
+
+<file path=ppt/slides/slide11.xml><?xml version="1.0" encoding="utf-8"?>
+<p:sld xmlns:a="http://schemas.openxmlformats.org/drawingml/2006/main" xmlns:r="http://schemas.openxmlformats.org/officeDocument/2006/relationships" xmlns:p="http://schemas.openxmlformats.org/presentationml/2006/main">
+  <p:cSld>
+    <p:spTree>
+      <p:nvGrpSpPr>
+        <p:cNvPr id="1" name=""/>
+        <p:cNvGrpSpPr/>
+        <p:nvPr/>
+      </p:nvGrpSpPr>
+      <p:grpSpPr>
+        <a:xfrm>
+          <a:off x="0" y="0"/>
+          <a:ext cx="0" cy="0"/>
+          <a:chOff x="0" y="0"/>
+          <a:chExt cx="0" cy="0"/>
+        </a:xfrm>
+      </p:grpSpPr>
+      <p:sp>
+        <p:nvSpPr>
+          <p:cNvPr id="2" name="Title 1">
+            <a:extLst>
+              <a:ext uri="{FF2B5EF4-FFF2-40B4-BE49-F238E27FC236}">
                 <a16:creationId xmlns:a16="http://schemas.microsoft.com/office/drawing/2014/main" id="{C02668B3-90F0-AF19-FB2C-F95FD4122723}"/>
               </a:ext>
             </a:extLst>
@@ -23700,161 +24052,6 @@
   <p:cSld>
     <p:spTree>
       <p:nvGrpSpPr>
-        <p:cNvPr id="1" name="Shape 1106"/>
-        <p:cNvGrpSpPr/>
-        <p:nvPr/>
-      </p:nvGrpSpPr>
-      <p:grpSpPr>
-        <a:xfrm>
-          <a:off x="0" y="0"/>
-          <a:ext cx="0" cy="0"/>
-          <a:chOff x="0" y="0"/>
-          <a:chExt cx="0" cy="0"/>
-        </a:xfrm>
-      </p:grpSpPr>
-      <p:sp>
-        <p:nvSpPr>
-          <p:cNvPr id="1107" name="Google Shape;1107;p41"/>
-          <p:cNvSpPr txBox="1">
-            <a:spLocks noGrp="1"/>
-          </p:cNvSpPr>
-          <p:nvPr>
-            <p:ph type="title"/>
-          </p:nvPr>
-        </p:nvSpPr>
-        <p:spPr>
-          <a:xfrm>
-            <a:off x="720000" y="387600"/>
-            <a:ext cx="7704000" cy="592200"/>
-          </a:xfrm>
-          <a:prstGeom prst="rect">
-            <a:avLst/>
-          </a:prstGeom>
-        </p:spPr>
-        <p:txBody>
-          <a:bodyPr spcFirstLastPara="1" wrap="square" lIns="91425" tIns="91425" rIns="91425" bIns="91425" anchor="t" anchorCtr="0">
-            <a:noAutofit/>
-          </a:bodyPr>
-          <a:lstStyle/>
-          <a:p>
-            <a:pPr marL="0" lvl="0" indent="0" algn="l" rtl="0">
-              <a:spcBef>
-                <a:spcPts val="0"/>
-              </a:spcBef>
-              <a:spcAft>
-                <a:spcPts val="0"/>
-              </a:spcAft>
-              <a:buNone/>
-            </a:pPr>
-            <a:r>
-              <a:rPr lang="en" dirty="0"/>
-              <a:t>Aerodynamics</a:t>
-            </a:r>
-            <a:endParaRPr dirty="0">
-              <a:solidFill>
-                <a:schemeClr val="dk1"/>
-              </a:solidFill>
-            </a:endParaRPr>
-          </a:p>
-        </p:txBody>
-      </p:sp>
-      <p:sp>
-        <p:nvSpPr>
-          <p:cNvPr id="1112" name="Google Shape;1112;p41"/>
-          <p:cNvSpPr/>
-          <p:nvPr/>
-        </p:nvSpPr>
-        <p:spPr>
-          <a:xfrm>
-            <a:off x="825075" y="1021550"/>
-            <a:ext cx="3180300" cy="78600"/>
-          </a:xfrm>
-          <a:prstGeom prst="roundRect">
-            <a:avLst>
-              <a:gd name="adj" fmla="val 50000"/>
-            </a:avLst>
-          </a:prstGeom>
-          <a:gradFill>
-            <a:gsLst>
-              <a:gs pos="0">
-                <a:srgbClr val="FFFFFF">
-                  <a:alpha val="0"/>
-                </a:srgbClr>
-              </a:gs>
-              <a:gs pos="100000">
-                <a:srgbClr val="FFFFFF">
-                  <a:alpha val="56078"/>
-                </a:srgbClr>
-              </a:gs>
-            </a:gsLst>
-            <a:lin ang="0" scaled="0"/>
-          </a:gradFill>
-          <a:ln>
-            <a:noFill/>
-          </a:ln>
-        </p:spPr>
-        <p:txBody>
-          <a:bodyPr spcFirstLastPara="1" wrap="square" lIns="91425" tIns="91425" rIns="91425" bIns="91425" anchor="ctr" anchorCtr="0">
-            <a:noAutofit/>
-          </a:bodyPr>
-          <a:lstStyle/>
-          <a:p>
-            <a:pPr marL="0" lvl="0" indent="0" algn="l" rtl="0">
-              <a:spcBef>
-                <a:spcPts val="0"/>
-              </a:spcBef>
-              <a:spcAft>
-                <a:spcPts val="0"/>
-              </a:spcAft>
-              <a:buNone/>
-            </a:pPr>
-            <a:endParaRPr/>
-          </a:p>
-        </p:txBody>
-      </p:sp>
-      <p:pic>
-        <p:nvPicPr>
-          <p:cNvPr id="3" name="Picture 2" descr="A diagram of different shapes&#10;&#10;Description automatically generated with medium confidence">
-            <a:extLst>
-              <a:ext uri="{FF2B5EF4-FFF2-40B4-BE49-F238E27FC236}">
-                <a16:creationId xmlns:a16="http://schemas.microsoft.com/office/drawing/2014/main" id="{0A2586AF-9C76-5F6D-FD44-400B919F6604}"/>
-              </a:ext>
-            </a:extLst>
-          </p:cNvPr>
-          <p:cNvPicPr>
-            <a:picLocks noChangeAspect="1"/>
-          </p:cNvPicPr>
-          <p:nvPr/>
-        </p:nvPicPr>
-        <p:blipFill>
-          <a:blip r:embed="rId3"/>
-          <a:stretch>
-            <a:fillRect/>
-          </a:stretch>
-        </p:blipFill>
-        <p:spPr>
-          <a:xfrm>
-            <a:off x="1108363" y="1253450"/>
-            <a:ext cx="6843311" cy="3436762"/>
-          </a:xfrm>
-          <a:prstGeom prst="rect">
-            <a:avLst/>
-          </a:prstGeom>
-        </p:spPr>
-      </p:pic>
-    </p:spTree>
-  </p:cSld>
-  <p:clrMapOvr>
-    <a:masterClrMapping/>
-  </p:clrMapOvr>
-</p:sld>
-</file>
-
-<file path=ppt/slides/slide4.xml><?xml version="1.0" encoding="utf-8"?>
-<p:sld xmlns:a="http://schemas.openxmlformats.org/drawingml/2006/main" xmlns:r="http://schemas.openxmlformats.org/officeDocument/2006/relationships" xmlns:p="http://schemas.openxmlformats.org/presentationml/2006/main">
-  <p:cSld>
-    <p:spTree>
-      <p:nvGrpSpPr>
         <p:cNvPr id="1" name="Shape 1215"/>
         <p:cNvGrpSpPr/>
         <p:nvPr/>
@@ -24139,6 +24336,158 @@
 </p:sld>
 </file>
 
+<file path=ppt/slides/slide4.xml><?xml version="1.0" encoding="utf-8"?>
+<p:sld xmlns:a="http://schemas.openxmlformats.org/drawingml/2006/main" xmlns:r="http://schemas.openxmlformats.org/officeDocument/2006/relationships" xmlns:p="http://schemas.openxmlformats.org/presentationml/2006/main">
+  <p:cSld>
+    <p:spTree>
+      <p:nvGrpSpPr>
+        <p:cNvPr id="1" name=""/>
+        <p:cNvGrpSpPr/>
+        <p:nvPr/>
+      </p:nvGrpSpPr>
+      <p:grpSpPr>
+        <a:xfrm>
+          <a:off x="0" y="0"/>
+          <a:ext cx="0" cy="0"/>
+          <a:chOff x="0" y="0"/>
+          <a:chExt cx="0" cy="0"/>
+        </a:xfrm>
+      </p:grpSpPr>
+      <p:sp>
+        <p:nvSpPr>
+          <p:cNvPr id="2" name="Title 1">
+            <a:extLst>
+              <a:ext uri="{FF2B5EF4-FFF2-40B4-BE49-F238E27FC236}">
+                <a16:creationId xmlns:a16="http://schemas.microsoft.com/office/drawing/2014/main" id="{F302B824-4059-E785-D4B4-A70B6E492D2F}"/>
+              </a:ext>
+            </a:extLst>
+          </p:cNvPr>
+          <p:cNvSpPr>
+            <a:spLocks noGrp="1"/>
+          </p:cNvSpPr>
+          <p:nvPr>
+            <p:ph type="title"/>
+          </p:nvPr>
+        </p:nvSpPr>
+        <p:spPr/>
+        <p:txBody>
+          <a:bodyPr/>
+          <a:lstStyle/>
+          <a:p>
+            <a:r>
+              <a:rPr lang="en-US" dirty="0"/>
+              <a:t>Saturn V Engines</a:t>
+            </a:r>
+          </a:p>
+        </p:txBody>
+      </p:sp>
+      <p:pic>
+        <p:nvPicPr>
+          <p:cNvPr id="1026" name="Picture 2" descr="A Saturn V F-1 engine on display at NASA's Marshall Space Flight Center [2592x1728 ...">
+            <a:extLst>
+              <a:ext uri="{FF2B5EF4-FFF2-40B4-BE49-F238E27FC236}">
+                <a16:creationId xmlns:a16="http://schemas.microsoft.com/office/drawing/2014/main" id="{4C89C33D-5BFA-EB94-9261-B89D51C221D2}"/>
+              </a:ext>
+            </a:extLst>
+          </p:cNvPr>
+          <p:cNvPicPr>
+            <a:picLocks noChangeAspect="1" noChangeArrowheads="1"/>
+          </p:cNvPicPr>
+          <p:nvPr/>
+        </p:nvPicPr>
+        <p:blipFill>
+          <a:blip r:embed="rId2">
+            <a:extLst>
+              <a:ext uri="{28A0092B-C50C-407E-A947-70E740481C1C}">
+                <a14:useLocalDpi xmlns:a14="http://schemas.microsoft.com/office/drawing/2010/main" val="0"/>
+              </a:ext>
+            </a:extLst>
+          </a:blip>
+          <a:srcRect/>
+          <a:stretch>
+            <a:fillRect/>
+          </a:stretch>
+        </p:blipFill>
+        <p:spPr bwMode="auto">
+          <a:xfrm>
+            <a:off x="1163290" y="1267364"/>
+            <a:ext cx="2316947" cy="3475421"/>
+          </a:xfrm>
+          <a:prstGeom prst="rect">
+            <a:avLst/>
+          </a:prstGeom>
+          <a:noFill/>
+          <a:extLst>
+            <a:ext uri="{909E8E84-426E-40DD-AFC4-6F175D3DCCD1}">
+              <a14:hiddenFill xmlns:a14="http://schemas.microsoft.com/office/drawing/2010/main">
+                <a:solidFill>
+                  <a:srgbClr val="FFFFFF"/>
+                </a:solidFill>
+              </a14:hiddenFill>
+            </a:ext>
+          </a:extLst>
+        </p:spPr>
+      </p:pic>
+      <p:pic>
+        <p:nvPicPr>
+          <p:cNvPr id="1030" name="Picture 6" descr="Saturn V Second Stage J-2 Engines. Photograph by Mark Williamson/science Photo Library - Pixels">
+            <a:extLst>
+              <a:ext uri="{FF2B5EF4-FFF2-40B4-BE49-F238E27FC236}">
+                <a16:creationId xmlns:a16="http://schemas.microsoft.com/office/drawing/2014/main" id="{E40BDF84-3FD3-629B-15BA-466B65A88611}"/>
+              </a:ext>
+            </a:extLst>
+          </p:cNvPr>
+          <p:cNvPicPr>
+            <a:picLocks noChangeAspect="1" noChangeArrowheads="1"/>
+          </p:cNvPicPr>
+          <p:nvPr/>
+        </p:nvPicPr>
+        <p:blipFill>
+          <a:blip r:embed="rId3">
+            <a:extLst>
+              <a:ext uri="{28A0092B-C50C-407E-A947-70E740481C1C}">
+                <a14:useLocalDpi xmlns:a14="http://schemas.microsoft.com/office/drawing/2010/main" val="0"/>
+              </a:ext>
+            </a:extLst>
+          </a:blip>
+          <a:srcRect/>
+          <a:stretch>
+            <a:fillRect/>
+          </a:stretch>
+        </p:blipFill>
+        <p:spPr bwMode="auto">
+          <a:xfrm>
+            <a:off x="4856894" y="1347943"/>
+            <a:ext cx="3300337" cy="3314262"/>
+          </a:xfrm>
+          <a:prstGeom prst="rect">
+            <a:avLst/>
+          </a:prstGeom>
+          <a:noFill/>
+          <a:extLst>
+            <a:ext uri="{909E8E84-426E-40DD-AFC4-6F175D3DCCD1}">
+              <a14:hiddenFill xmlns:a14="http://schemas.microsoft.com/office/drawing/2010/main">
+                <a:solidFill>
+                  <a:srgbClr val="FFFFFF"/>
+                </a:solidFill>
+              </a14:hiddenFill>
+            </a:ext>
+          </a:extLst>
+        </p:spPr>
+      </p:pic>
+    </p:spTree>
+    <p:extLst>
+      <p:ext uri="{BB962C8B-B14F-4D97-AF65-F5344CB8AC3E}">
+        <p14:creationId xmlns:p14="http://schemas.microsoft.com/office/powerpoint/2010/main" val="609283325"/>
+      </p:ext>
+    </p:extLst>
+  </p:cSld>
+  <p:clrMapOvr>
+    <a:masterClrMapping/>
+  </p:clrMapOvr>
+</p:sld>
+</file>
+
 <file path=ppt/slides/slide5.xml><?xml version="1.0" encoding="utf-8"?>
 <p:sld xmlns:a="http://schemas.openxmlformats.org/drawingml/2006/main" xmlns:r="http://schemas.openxmlformats.org/officeDocument/2006/relationships" xmlns:p="http://schemas.openxmlformats.org/presentationml/2006/main">
   <p:cSld>
@@ -24192,7 +24541,7 @@
             </a:pPr>
             <a:r>
               <a:rPr lang="en" dirty="0"/>
-              <a:t>Thrust Vectoring</a:t>
+              <a:t>Active Control</a:t>
             </a:r>
             <a:endParaRPr dirty="0"/>
           </a:p>
@@ -25047,10 +25396,10 @@
       </p:sp>
       <p:pic>
         <p:nvPicPr>
-          <p:cNvPr id="4" name="Picture 3">
+          <p:cNvPr id="3" name="Picture 2">
             <a:extLst>
               <a:ext uri="{FF2B5EF4-FFF2-40B4-BE49-F238E27FC236}">
-                <a16:creationId xmlns:a16="http://schemas.microsoft.com/office/drawing/2014/main" id="{8883AB92-E53F-1C97-BC19-4C9915B1F5F7}"/>
+                <a16:creationId xmlns:a16="http://schemas.microsoft.com/office/drawing/2014/main" id="{DA171A2C-60CA-B812-D6FF-0372FCD52D66}"/>
               </a:ext>
             </a:extLst>
           </p:cNvPr>
@@ -25059,15 +25408,16 @@
           </p:cNvPicPr>
           <p:nvPr/>
         </p:nvPicPr>
-        <p:blipFill rotWithShape="1">
+        <p:blipFill>
           <a:blip r:embed="rId3"/>
-          <a:srcRect t="673"/>
-          <a:stretch/>
+          <a:stretch>
+            <a:fillRect/>
+          </a:stretch>
         </p:blipFill>
         <p:spPr>
           <a:xfrm>
-            <a:off x="540321" y="1343002"/>
-            <a:ext cx="5190459" cy="3196476"/>
+            <a:off x="1699173" y="1317563"/>
+            <a:ext cx="5382128" cy="3408119"/>
           </a:xfrm>
           <a:prstGeom prst="rect">
             <a:avLst/>
@@ -25122,8 +25472,13 @@
           <a:p>
             <a:r>
               <a:rPr lang="en-US" dirty="0"/>
-              <a:t>Thrust Vectoring in Action</a:t>
+              <a:t>Thrust Vectoring in </a:t>
             </a:r>
+            <a:r>
+              <a:rPr lang="en-US" dirty="0" err="1"/>
+              <a:t>Actio</a:t>
+            </a:r>
+            <a:endParaRPr lang="en-US" dirty="0"/>
           </a:p>
         </p:txBody>
       </p:sp>
@@ -25145,7 +25500,7 @@
           </p:nvPr>
         </p:nvPicPr>
         <p:blipFill>
-          <a:blip r:embed="rId3"/>
+          <a:blip r:embed="rId4"/>
           <a:stretch>
             <a:fillRect/>
           </a:stretch>
@@ -27492,6 +27847,161 @@
   <p:cSld>
     <p:spTree>
       <p:nvGrpSpPr>
+        <p:cNvPr id="1" name="Shape 1106"/>
+        <p:cNvGrpSpPr/>
+        <p:nvPr/>
+      </p:nvGrpSpPr>
+      <p:grpSpPr>
+        <a:xfrm>
+          <a:off x="0" y="0"/>
+          <a:ext cx="0" cy="0"/>
+          <a:chOff x="0" y="0"/>
+          <a:chExt cx="0" cy="0"/>
+        </a:xfrm>
+      </p:grpSpPr>
+      <p:sp>
+        <p:nvSpPr>
+          <p:cNvPr id="1107" name="Google Shape;1107;p41"/>
+          <p:cNvSpPr txBox="1">
+            <a:spLocks noGrp="1"/>
+          </p:cNvSpPr>
+          <p:nvPr>
+            <p:ph type="title"/>
+          </p:nvPr>
+        </p:nvSpPr>
+        <p:spPr>
+          <a:xfrm>
+            <a:off x="720000" y="387600"/>
+            <a:ext cx="7704000" cy="592200"/>
+          </a:xfrm>
+          <a:prstGeom prst="rect">
+            <a:avLst/>
+          </a:prstGeom>
+        </p:spPr>
+        <p:txBody>
+          <a:bodyPr spcFirstLastPara="1" wrap="square" lIns="91425" tIns="91425" rIns="91425" bIns="91425" anchor="t" anchorCtr="0">
+            <a:noAutofit/>
+          </a:bodyPr>
+          <a:lstStyle/>
+          <a:p>
+            <a:pPr marL="0" lvl="0" indent="0" algn="l" rtl="0">
+              <a:spcBef>
+                <a:spcPts val="0"/>
+              </a:spcBef>
+              <a:spcAft>
+                <a:spcPts val="0"/>
+              </a:spcAft>
+              <a:buNone/>
+            </a:pPr>
+            <a:r>
+              <a:rPr lang="en" dirty="0"/>
+              <a:t>Aerodynamics</a:t>
+            </a:r>
+            <a:endParaRPr dirty="0">
+              <a:solidFill>
+                <a:schemeClr val="dk1"/>
+              </a:solidFill>
+            </a:endParaRPr>
+          </a:p>
+        </p:txBody>
+      </p:sp>
+      <p:sp>
+        <p:nvSpPr>
+          <p:cNvPr id="1112" name="Google Shape;1112;p41"/>
+          <p:cNvSpPr/>
+          <p:nvPr/>
+        </p:nvSpPr>
+        <p:spPr>
+          <a:xfrm>
+            <a:off x="825075" y="1021550"/>
+            <a:ext cx="3180300" cy="78600"/>
+          </a:xfrm>
+          <a:prstGeom prst="roundRect">
+            <a:avLst>
+              <a:gd name="adj" fmla="val 50000"/>
+            </a:avLst>
+          </a:prstGeom>
+          <a:gradFill>
+            <a:gsLst>
+              <a:gs pos="0">
+                <a:srgbClr val="FFFFFF">
+                  <a:alpha val="0"/>
+                </a:srgbClr>
+              </a:gs>
+              <a:gs pos="100000">
+                <a:srgbClr val="FFFFFF">
+                  <a:alpha val="56078"/>
+                </a:srgbClr>
+              </a:gs>
+            </a:gsLst>
+            <a:lin ang="0" scaled="0"/>
+          </a:gradFill>
+          <a:ln>
+            <a:noFill/>
+          </a:ln>
+        </p:spPr>
+        <p:txBody>
+          <a:bodyPr spcFirstLastPara="1" wrap="square" lIns="91425" tIns="91425" rIns="91425" bIns="91425" anchor="ctr" anchorCtr="0">
+            <a:noAutofit/>
+          </a:bodyPr>
+          <a:lstStyle/>
+          <a:p>
+            <a:pPr marL="0" lvl="0" indent="0" algn="l" rtl="0">
+              <a:spcBef>
+                <a:spcPts val="0"/>
+              </a:spcBef>
+              <a:spcAft>
+                <a:spcPts val="0"/>
+              </a:spcAft>
+              <a:buNone/>
+            </a:pPr>
+            <a:endParaRPr/>
+          </a:p>
+        </p:txBody>
+      </p:sp>
+      <p:pic>
+        <p:nvPicPr>
+          <p:cNvPr id="3" name="Picture 2" descr="A diagram of different shapes&#10;&#10;Description automatically generated with medium confidence">
+            <a:extLst>
+              <a:ext uri="{FF2B5EF4-FFF2-40B4-BE49-F238E27FC236}">
+                <a16:creationId xmlns:a16="http://schemas.microsoft.com/office/drawing/2014/main" id="{0A2586AF-9C76-5F6D-FD44-400B919F6604}"/>
+              </a:ext>
+            </a:extLst>
+          </p:cNvPr>
+          <p:cNvPicPr>
+            <a:picLocks noChangeAspect="1"/>
+          </p:cNvPicPr>
+          <p:nvPr/>
+        </p:nvPicPr>
+        <p:blipFill>
+          <a:blip r:embed="rId3"/>
+          <a:stretch>
+            <a:fillRect/>
+          </a:stretch>
+        </p:blipFill>
+        <p:spPr>
+          <a:xfrm>
+            <a:off x="1108363" y="1253450"/>
+            <a:ext cx="6843311" cy="3436762"/>
+          </a:xfrm>
+          <a:prstGeom prst="rect">
+            <a:avLst/>
+          </a:prstGeom>
+        </p:spPr>
+      </p:pic>
+    </p:spTree>
+  </p:cSld>
+  <p:clrMapOvr>
+    <a:masterClrMapping/>
+  </p:clrMapOvr>
+</p:sld>
+</file>
+
+<file path=ppt/slides/slide9.xml><?xml version="1.0" encoding="utf-8"?>
+<p:sld xmlns:a="http://schemas.openxmlformats.org/drawingml/2006/main" xmlns:r="http://schemas.openxmlformats.org/officeDocument/2006/relationships" xmlns:p="http://schemas.openxmlformats.org/presentationml/2006/main">
+  <p:cSld>
+    <p:spTree>
+      <p:nvGrpSpPr>
         <p:cNvPr id="1" name=""/>
         <p:cNvGrpSpPr/>
         <p:nvPr/>
@@ -27706,237 +28216,6 @@
                 <p:cond evt="onClick" delay="0">
                   <p:tgtEl>
                     <p:spTgt spid="5"/>
-                  </p:tgtEl>
-                </p:cond>
-              </p:nextCondLst>
-            </p:seq>
-          </p:childTnLst>
-        </p:cTn>
-      </p:par>
-    </p:tnLst>
-  </p:timing>
-</p:sld>
-</file>
-
-<file path=ppt/slides/slide9.xml><?xml version="1.0" encoding="utf-8"?>
-<p:sld xmlns:a="http://schemas.openxmlformats.org/drawingml/2006/main" xmlns:r="http://schemas.openxmlformats.org/officeDocument/2006/relationships" xmlns:p="http://schemas.openxmlformats.org/presentationml/2006/main">
-  <p:cSld>
-    <p:spTree>
-      <p:nvGrpSpPr>
-        <p:cNvPr id="1" name=""/>
-        <p:cNvGrpSpPr/>
-        <p:nvPr/>
-      </p:nvGrpSpPr>
-      <p:grpSpPr>
-        <a:xfrm>
-          <a:off x="0" y="0"/>
-          <a:ext cx="0" cy="0"/>
-          <a:chOff x="0" y="0"/>
-          <a:chExt cx="0" cy="0"/>
-        </a:xfrm>
-      </p:grpSpPr>
-      <p:sp>
-        <p:nvSpPr>
-          <p:cNvPr id="2" name="Title 1">
-            <a:extLst>
-              <a:ext uri="{FF2B5EF4-FFF2-40B4-BE49-F238E27FC236}">
-                <a16:creationId xmlns:a16="http://schemas.microsoft.com/office/drawing/2014/main" id="{3CEA87EA-1BA1-60A0-50B0-09F3BFD5B05C}"/>
-              </a:ext>
-            </a:extLst>
-          </p:cNvPr>
-          <p:cNvSpPr>
-            <a:spLocks noGrp="1"/>
-          </p:cNvSpPr>
-          <p:nvPr>
-            <p:ph type="title"/>
-          </p:nvPr>
-        </p:nvSpPr>
-        <p:spPr>
-          <a:xfrm>
-            <a:off x="754637" y="200564"/>
-            <a:ext cx="7704000" cy="592200"/>
-          </a:xfrm>
-        </p:spPr>
-        <p:txBody>
-          <a:bodyPr/>
-          <a:lstStyle/>
-          <a:p>
-            <a:r>
-              <a:rPr lang="en-US" dirty="0"/>
-              <a:t>Space-X Fails</a:t>
-            </a:r>
-          </a:p>
-        </p:txBody>
-      </p:sp>
-      <p:pic>
-        <p:nvPicPr>
-          <p:cNvPr id="3" name="Online Media 2" title="How Not to Land an Orbital Rocket Booster">
-            <a:hlinkClick r:id="" action="ppaction://media"/>
-            <a:extLst>
-              <a:ext uri="{FF2B5EF4-FFF2-40B4-BE49-F238E27FC236}">
-                <a16:creationId xmlns:a16="http://schemas.microsoft.com/office/drawing/2014/main" id="{870315CB-57F8-9D89-F6BE-4F6239BC293C}"/>
-              </a:ext>
-            </a:extLst>
-          </p:cNvPr>
-          <p:cNvPicPr>
-            <a:picLocks noRot="1" noChangeAspect="1"/>
-          </p:cNvPicPr>
-          <p:nvPr>
-            <a:videoFile r:link="rId1"/>
-          </p:nvPr>
-        </p:nvPicPr>
-        <p:blipFill>
-          <a:blip r:embed="rId3"/>
-          <a:stretch>
-            <a:fillRect/>
-          </a:stretch>
-        </p:blipFill>
-        <p:spPr>
-          <a:xfrm>
-            <a:off x="1071418" y="975716"/>
-            <a:ext cx="6690591" cy="3780184"/>
-          </a:xfrm>
-          <a:prstGeom prst="rect">
-            <a:avLst/>
-          </a:prstGeom>
-        </p:spPr>
-      </p:pic>
-    </p:spTree>
-    <p:extLst>
-      <p:ext uri="{BB962C8B-B14F-4D97-AF65-F5344CB8AC3E}">
-        <p14:creationId xmlns:p14="http://schemas.microsoft.com/office/powerpoint/2010/main" val="4014799153"/>
-      </p:ext>
-    </p:extLst>
-  </p:cSld>
-  <p:clrMapOvr>
-    <a:masterClrMapping/>
-  </p:clrMapOvr>
-  <p:timing>
-    <p:tnLst>
-      <p:par>
-        <p:cTn id="1" dur="indefinite" restart="never" nodeType="tmRoot">
-          <p:childTnLst>
-            <p:seq concurrent="1" nextAc="seek">
-              <p:cTn id="2" dur="indefinite" nodeType="mainSeq">
-                <p:childTnLst>
-                  <p:par>
-                    <p:cTn id="3" fill="hold">
-                      <p:stCondLst>
-                        <p:cond delay="indefinite"/>
-                      </p:stCondLst>
-                      <p:childTnLst>
-                        <p:par>
-                          <p:cTn id="4" fill="hold">
-                            <p:stCondLst>
-                              <p:cond delay="0"/>
-                            </p:stCondLst>
-                            <p:childTnLst>
-                              <p:par>
-                                <p:cTn id="5" presetID="1" presetClass="mediacall" presetSubtype="0" fill="hold" nodeType="clickEffect">
-                                  <p:stCondLst>
-                                    <p:cond delay="0"/>
-                                  </p:stCondLst>
-                                  <p:childTnLst>
-                                    <p:cmd type="call" cmd="playFrom(0.0)">
-                                      <p:cBhvr>
-                                        <p:cTn id="6" dur="1" fill="hold"/>
-                                        <p:tgtEl>
-                                          <p:spTgt spid="3"/>
-                                        </p:tgtEl>
-                                      </p:cBhvr>
-                                    </p:cmd>
-                                  </p:childTnLst>
-                                </p:cTn>
-                              </p:par>
-                            </p:childTnLst>
-                          </p:cTn>
-                        </p:par>
-                      </p:childTnLst>
-                    </p:cTn>
-                  </p:par>
-                </p:childTnLst>
-              </p:cTn>
-              <p:prevCondLst>
-                <p:cond evt="onPrev" delay="0">
-                  <p:tgtEl>
-                    <p:sldTgt/>
-                  </p:tgtEl>
-                </p:cond>
-              </p:prevCondLst>
-              <p:nextCondLst>
-                <p:cond evt="onNext" delay="0">
-                  <p:tgtEl>
-                    <p:sldTgt/>
-                  </p:tgtEl>
-                </p:cond>
-              </p:nextCondLst>
-            </p:seq>
-            <p:video>
-              <p:cMediaNode vol="80000">
-                <p:cTn id="7" fill="hold" display="0">
-                  <p:stCondLst>
-                    <p:cond delay="indefinite"/>
-                  </p:stCondLst>
-                </p:cTn>
-                <p:tgtEl>
-                  <p:spTgt spid="3"/>
-                </p:tgtEl>
-              </p:cMediaNode>
-            </p:video>
-            <p:seq concurrent="1" nextAc="seek">
-              <p:cTn id="8" restart="whenNotActive" fill="hold" evtFilter="cancelBubble" nodeType="interactiveSeq">
-                <p:stCondLst>
-                  <p:cond evt="onClick" delay="0">
-                    <p:tgtEl>
-                      <p:spTgt spid="3"/>
-                    </p:tgtEl>
-                  </p:cond>
-                </p:stCondLst>
-                <p:endSync evt="end" delay="0">
-                  <p:rtn val="all"/>
-                </p:endSync>
-                <p:childTnLst>
-                  <p:par>
-                    <p:cTn id="9" fill="hold">
-                      <p:stCondLst>
-                        <p:cond delay="0"/>
-                      </p:stCondLst>
-                      <p:childTnLst>
-                        <p:par>
-                          <p:cTn id="10" fill="hold">
-                            <p:stCondLst>
-                              <p:cond delay="0"/>
-                            </p:stCondLst>
-                            <p:childTnLst>
-                              <p:par>
-                                <p:cTn id="11" presetID="2" presetClass="mediacall" presetSubtype="0" fill="hold" nodeType="clickEffect">
-                                  <p:stCondLst>
-                                    <p:cond delay="0"/>
-                                  </p:stCondLst>
-                                  <p:childTnLst>
-                                    <p:cmd type="call" cmd="togglePause">
-                                      <p:cBhvr>
-                                        <p:cTn id="12" dur="1" fill="hold"/>
-                                        <p:tgtEl>
-                                          <p:spTgt spid="3"/>
-                                        </p:tgtEl>
-                                      </p:cBhvr>
-                                    </p:cmd>
-                                  </p:childTnLst>
-                                </p:cTn>
-                              </p:par>
-                            </p:childTnLst>
-                          </p:cTn>
-                        </p:par>
-                      </p:childTnLst>
-                    </p:cTn>
-                  </p:par>
-                </p:childTnLst>
-              </p:cTn>
-              <p:nextCondLst>
-                <p:cond evt="onClick" delay="0">
-                  <p:tgtEl>
-                    <p:spTgt spid="3"/>
                   </p:tgtEl>
                 </p:cond>
               </p:nextCondLst>

--- a/Beginner/Day 4/Model Rockets vs NASA Rockets.pptx
+++ b/Beginner/Day 4/Model Rockets vs NASA Rockets.pptx
@@ -25472,13 +25472,8 @@
           <a:p>
             <a:r>
               <a:rPr lang="en-US" dirty="0"/>
-              <a:t>Thrust Vectoring in </a:t>
+              <a:t>Thrust Vectoring in Action</a:t>
             </a:r>
-            <a:r>
-              <a:rPr lang="en-US" dirty="0" err="1"/>
-              <a:t>Actio</a:t>
-            </a:r>
-            <a:endParaRPr lang="en-US" dirty="0"/>
           </a:p>
         </p:txBody>
       </p:sp>
@@ -27959,36 +27954,237 @@
           </a:p>
         </p:txBody>
       </p:sp>
-      <p:pic>
-        <p:nvPicPr>
-          <p:cNvPr id="3" name="Picture 2" descr="A diagram of different shapes&#10;&#10;Description automatically generated with medium confidence">
+      <p:grpSp>
+        <p:nvGrpSpPr>
+          <p:cNvPr id="4" name="Group 3">
             <a:extLst>
               <a:ext uri="{FF2B5EF4-FFF2-40B4-BE49-F238E27FC236}">
-                <a16:creationId xmlns:a16="http://schemas.microsoft.com/office/drawing/2014/main" id="{0A2586AF-9C76-5F6D-FD44-400B919F6604}"/>
+                <a16:creationId xmlns:a16="http://schemas.microsoft.com/office/drawing/2014/main" id="{D5DFDD7E-B142-1D77-2EEC-A233F04369DF}"/>
               </a:ext>
             </a:extLst>
           </p:cNvPr>
-          <p:cNvPicPr>
-            <a:picLocks noChangeAspect="1"/>
-          </p:cNvPicPr>
+          <p:cNvGrpSpPr/>
           <p:nvPr/>
-        </p:nvPicPr>
-        <p:blipFill>
-          <a:blip r:embed="rId3"/>
-          <a:stretch>
-            <a:fillRect/>
-          </a:stretch>
-        </p:blipFill>
-        <p:spPr>
+        </p:nvGrpSpPr>
+        <p:grpSpPr>
           <a:xfrm>
-            <a:off x="1108363" y="1253450"/>
-            <a:ext cx="6843311" cy="3436762"/>
+            <a:off x="993044" y="1271246"/>
+            <a:ext cx="2358477" cy="3653577"/>
+            <a:chOff x="2732033" y="1674647"/>
+            <a:chExt cx="2094210" cy="3244194"/>
           </a:xfrm>
-          <a:prstGeom prst="rect">
-            <a:avLst/>
-          </a:prstGeom>
-        </p:spPr>
-      </p:pic>
+        </p:grpSpPr>
+        <p:pic>
+          <p:nvPicPr>
+            <p:cNvPr id="1026" name="Picture 2" descr="aerodynamic shapes in nature - Google Search | Aerospace engineering, Physics and mathematics ...">
+              <a:extLst>
+                <a:ext uri="{FF2B5EF4-FFF2-40B4-BE49-F238E27FC236}">
+                  <a16:creationId xmlns:a16="http://schemas.microsoft.com/office/drawing/2014/main" id="{72A1A63C-CACA-679E-2A19-ED92C0E9A30C}"/>
+                </a:ext>
+              </a:extLst>
+            </p:cNvPr>
+            <p:cNvPicPr>
+              <a:picLocks noChangeAspect="1" noChangeArrowheads="1"/>
+            </p:cNvPicPr>
+            <p:nvPr/>
+          </p:nvPicPr>
+          <p:blipFill rotWithShape="1">
+            <a:blip r:embed="rId3">
+              <a:extLst>
+                <a:ext uri="{28A0092B-C50C-407E-A947-70E740481C1C}">
+                  <a14:useLocalDpi xmlns:a14="http://schemas.microsoft.com/office/drawing/2010/main" val="0"/>
+                </a:ext>
+              </a:extLst>
+            </a:blip>
+            <a:srcRect b="84999"/>
+            <a:stretch/>
+          </p:blipFill>
+          <p:spPr bwMode="auto">
+            <a:xfrm>
+              <a:off x="2732033" y="1674647"/>
+              <a:ext cx="2094210" cy="592083"/>
+            </a:xfrm>
+            <a:prstGeom prst="rect">
+              <a:avLst/>
+            </a:prstGeom>
+            <a:noFill/>
+            <a:extLst>
+              <a:ext uri="{909E8E84-426E-40DD-AFC4-6F175D3DCCD1}">
+                <a14:hiddenFill xmlns:a14="http://schemas.microsoft.com/office/drawing/2010/main">
+                  <a:solidFill>
+                    <a:srgbClr val="FFFFFF"/>
+                  </a:solidFill>
+                </a14:hiddenFill>
+              </a:ext>
+            </a:extLst>
+          </p:spPr>
+        </p:pic>
+        <p:pic>
+          <p:nvPicPr>
+            <p:cNvPr id="2" name="Picture 2" descr="aerodynamic shapes in nature - Google Search | Aerospace engineering, Physics and mathematics ...">
+              <a:extLst>
+                <a:ext uri="{FF2B5EF4-FFF2-40B4-BE49-F238E27FC236}">
+                  <a16:creationId xmlns:a16="http://schemas.microsoft.com/office/drawing/2014/main" id="{24618A35-9CA9-BBF2-C50D-A0F95139FBF2}"/>
+                </a:ext>
+              </a:extLst>
+            </p:cNvPr>
+            <p:cNvPicPr>
+              <a:picLocks noChangeAspect="1" noChangeArrowheads="1"/>
+            </p:cNvPicPr>
+            <p:nvPr/>
+          </p:nvPicPr>
+          <p:blipFill rotWithShape="1">
+            <a:blip r:embed="rId3">
+              <a:extLst>
+                <a:ext uri="{28A0092B-C50C-407E-A947-70E740481C1C}">
+                  <a14:useLocalDpi xmlns:a14="http://schemas.microsoft.com/office/drawing/2010/main" val="0"/>
+                </a:ext>
+              </a:extLst>
+            </a:blip>
+            <a:srcRect t="24985" b="7821"/>
+            <a:stretch/>
+          </p:blipFill>
+          <p:spPr bwMode="auto">
+            <a:xfrm>
+              <a:off x="2732033" y="2266730"/>
+              <a:ext cx="2094210" cy="2652111"/>
+            </a:xfrm>
+            <a:prstGeom prst="rect">
+              <a:avLst/>
+            </a:prstGeom>
+            <a:noFill/>
+            <a:extLst>
+              <a:ext uri="{909E8E84-426E-40DD-AFC4-6F175D3DCCD1}">
+                <a14:hiddenFill xmlns:a14="http://schemas.microsoft.com/office/drawing/2010/main">
+                  <a:solidFill>
+                    <a:srgbClr val="FFFFFF"/>
+                  </a:solidFill>
+                </a14:hiddenFill>
+              </a:ext>
+            </a:extLst>
+          </p:spPr>
+        </p:pic>
+      </p:grpSp>
+      <p:grpSp>
+        <p:nvGrpSpPr>
+          <p:cNvPr id="6" name="Group 5">
+            <a:extLst>
+              <a:ext uri="{FF2B5EF4-FFF2-40B4-BE49-F238E27FC236}">
+                <a16:creationId xmlns:a16="http://schemas.microsoft.com/office/drawing/2014/main" id="{C06997FD-652A-C4AA-7F68-76A20FA539E9}"/>
+              </a:ext>
+            </a:extLst>
+          </p:cNvPr>
+          <p:cNvGrpSpPr/>
+          <p:nvPr/>
+        </p:nvGrpSpPr>
+        <p:grpSpPr>
+          <a:xfrm>
+            <a:off x="4005375" y="1448408"/>
+            <a:ext cx="4617308" cy="3307492"/>
+            <a:chOff x="4081848" y="1264508"/>
+            <a:chExt cx="4617308" cy="3307492"/>
+          </a:xfrm>
+        </p:grpSpPr>
+        <p:sp>
+          <p:nvSpPr>
+            <p:cNvPr id="5" name="Rectangle 4">
+              <a:extLst>
+                <a:ext uri="{FF2B5EF4-FFF2-40B4-BE49-F238E27FC236}">
+                  <a16:creationId xmlns:a16="http://schemas.microsoft.com/office/drawing/2014/main" id="{30D1F2BB-826F-8065-A8C6-020D8D3EAC92}"/>
+                </a:ext>
+              </a:extLst>
+            </p:cNvPr>
+            <p:cNvSpPr/>
+            <p:nvPr/>
+          </p:nvSpPr>
+          <p:spPr>
+            <a:xfrm>
+              <a:off x="4081848" y="1264508"/>
+              <a:ext cx="4617308" cy="3307492"/>
+            </a:xfrm>
+            <a:prstGeom prst="rect">
+              <a:avLst/>
+            </a:prstGeom>
+            <a:solidFill>
+              <a:schemeClr val="bg1"/>
+            </a:solidFill>
+            <a:ln>
+              <a:noFill/>
+            </a:ln>
+          </p:spPr>
+          <p:style>
+            <a:lnRef idx="2">
+              <a:schemeClr val="accent1">
+                <a:shade val="15000"/>
+              </a:schemeClr>
+            </a:lnRef>
+            <a:fillRef idx="1">
+              <a:schemeClr val="accent1"/>
+            </a:fillRef>
+            <a:effectRef idx="0">
+              <a:schemeClr val="accent1"/>
+            </a:effectRef>
+            <a:fontRef idx="minor">
+              <a:schemeClr val="lt1"/>
+            </a:fontRef>
+          </p:style>
+          <p:txBody>
+            <a:bodyPr rtlCol="0" anchor="ctr"/>
+            <a:lstStyle/>
+            <a:p>
+              <a:pPr algn="ctr"/>
+              <a:endParaRPr lang="en-US"/>
+            </a:p>
+          </p:txBody>
+        </p:sp>
+        <p:pic>
+          <p:nvPicPr>
+            <p:cNvPr id="1028" name="Picture 4" descr="Richard Nakka's Experimental Rocketry Site">
+              <a:extLst>
+                <a:ext uri="{FF2B5EF4-FFF2-40B4-BE49-F238E27FC236}">
+                  <a16:creationId xmlns:a16="http://schemas.microsoft.com/office/drawing/2014/main" id="{C2FD5294-B8C8-5A80-F818-D4C4AAA413A7}"/>
+                </a:ext>
+              </a:extLst>
+            </p:cNvPr>
+            <p:cNvPicPr>
+              <a:picLocks noChangeAspect="1" noChangeArrowheads="1"/>
+            </p:cNvPicPr>
+            <p:nvPr/>
+          </p:nvPicPr>
+          <p:blipFill>
+            <a:blip r:embed="rId4">
+              <a:extLst>
+                <a:ext uri="{28A0092B-C50C-407E-A947-70E740481C1C}">
+                  <a14:useLocalDpi xmlns:a14="http://schemas.microsoft.com/office/drawing/2010/main" val="0"/>
+                </a:ext>
+              </a:extLst>
+            </a:blip>
+            <a:srcRect/>
+            <a:stretch>
+              <a:fillRect/>
+            </a:stretch>
+          </p:blipFill>
+          <p:spPr bwMode="auto">
+            <a:xfrm>
+              <a:off x="4255398" y="1421326"/>
+              <a:ext cx="4377875" cy="2985618"/>
+            </a:xfrm>
+            <a:prstGeom prst="rect">
+              <a:avLst/>
+            </a:prstGeom>
+            <a:noFill/>
+            <a:extLst>
+              <a:ext uri="{909E8E84-426E-40DD-AFC4-6F175D3DCCD1}">
+                <a14:hiddenFill xmlns:a14="http://schemas.microsoft.com/office/drawing/2010/main">
+                  <a:solidFill>
+                    <a:srgbClr val="FFFFFF"/>
+                  </a:solidFill>
+                </a14:hiddenFill>
+              </a:ext>
+            </a:extLst>
+          </p:spPr>
+        </p:pic>
+      </p:grpSp>
     </p:spTree>
   </p:cSld>
   <p:clrMapOvr>
